--- a/K-D Tree/Files/KD Tree.pptx
+++ b/K-D Tree/Files/KD Tree.pptx
@@ -334,6 +334,11 @@
       </a:defRPr>
     </a:lvl9pPr>
   </p:defaultTextStyle>
+  <p:extLst>
+    <p:ext uri="{EFAFB233-063F-42B5-8137-9DF3F51BA10A}">
+      <p15:sldGuideLst xmlns:p15="http://schemas.microsoft.com/office/powerpoint/2012/main"/>
+    </p:ext>
+  </p:extLst>
 </p:presentation>
 </file>
 
@@ -1203,7 +1208,7 @@
           <a:p>
             <a:fld id="{1D8BD707-D9CF-40AE-B4C6-C98DA3205C09}" type="datetimeFigureOut">
               <a:rPr lang="en-US"/>
-              <a:t>12/10/2018</a:t>
+              <a:t>12/11/2018</a:t>
             </a:fld>
             <a:endParaRPr lang="en-US" dirty="0"/>
           </a:p>
@@ -1402,7 +1407,7 @@
           <a:p>
             <a:fld id="{1D8BD707-D9CF-40AE-B4C6-C98DA3205C09}" type="datetimeFigureOut">
               <a:rPr lang="en-US"/>
-              <a:t>12/10/2018</a:t>
+              <a:t>12/11/2018</a:t>
             </a:fld>
             <a:endParaRPr lang="en-US" dirty="0"/>
           </a:p>
@@ -3116,7 +3121,7 @@
           </a:ln>
           <a:extLst>
             <a:ext uri="{C572A759-6A51-4108-AA02-DFA0A04FC94B}">
-              <ma14:wrappingTextBoxFlag xmlns:ma14="http://schemas.microsoft.com/office/mac/drawingml/2011/main" xmlns:a14="http://schemas.microsoft.com/office/drawing/2010/main" xmlns:m="http://schemas.openxmlformats.org/officeDocument/2006/math" xmlns="" val="1"/>
+              <ma14:wrappingTextBoxFlag xmlns="" xmlns:m="http://schemas.openxmlformats.org/officeDocument/2006/math" xmlns:a14="http://schemas.microsoft.com/office/drawing/2010/main" xmlns:ma14="http://schemas.microsoft.com/office/mac/drawingml/2011/main" val="1"/>
             </a:ext>
           </a:extLst>
         </p:spPr>
@@ -3155,7 +3160,7 @@
           </a:ln>
           <a:extLst>
             <a:ext uri="{C572A759-6A51-4108-AA02-DFA0A04FC94B}">
-              <ma14:wrappingTextBoxFlag xmlns:ma14="http://schemas.microsoft.com/office/mac/drawingml/2011/main" xmlns:a14="http://schemas.microsoft.com/office/drawing/2010/main" xmlns:m="http://schemas.openxmlformats.org/officeDocument/2006/math" xmlns="" val="1"/>
+              <ma14:wrappingTextBoxFlag xmlns="" xmlns:m="http://schemas.openxmlformats.org/officeDocument/2006/math" xmlns:a14="http://schemas.microsoft.com/office/drawing/2010/main" xmlns:ma14="http://schemas.microsoft.com/office/mac/drawingml/2011/main" val="1"/>
             </a:ext>
           </a:extLst>
         </p:spPr>
@@ -6996,7 +7001,7 @@
           </a:ln>
           <a:extLst>
             <a:ext uri="{C572A759-6A51-4108-AA02-DFA0A04FC94B}">
-              <ma14:wrappingTextBoxFlag xmlns:ma14="http://schemas.microsoft.com/office/mac/drawingml/2011/main" xmlns:a14="http://schemas.microsoft.com/office/drawing/2010/main" xmlns:m="http://schemas.openxmlformats.org/officeDocument/2006/math" xmlns="" val="1"/>
+              <ma14:wrappingTextBoxFlag xmlns="" xmlns:m="http://schemas.openxmlformats.org/officeDocument/2006/math" xmlns:a14="http://schemas.microsoft.com/office/drawing/2010/main" xmlns:ma14="http://schemas.microsoft.com/office/mac/drawingml/2011/main" val="1"/>
             </a:ext>
           </a:extLst>
         </p:spPr>
@@ -14355,7 +14360,7 @@
           </a:ln>
           <a:extLst>
             <a:ext uri="{C572A759-6A51-4108-AA02-DFA0A04FC94B}">
-              <ma14:wrappingTextBoxFlag xmlns:ma14="http://schemas.microsoft.com/office/mac/drawingml/2011/main" xmlns:a14="http://schemas.microsoft.com/office/drawing/2010/main" xmlns:m="http://schemas.openxmlformats.org/officeDocument/2006/math" xmlns="" val="1"/>
+              <ma14:wrappingTextBoxFlag xmlns="" xmlns:m="http://schemas.openxmlformats.org/officeDocument/2006/math" xmlns:a14="http://schemas.microsoft.com/office/drawing/2010/main" xmlns:ma14="http://schemas.microsoft.com/office/mac/drawingml/2011/main" val="1"/>
             </a:ext>
           </a:extLst>
         </p:spPr>
@@ -38806,7 +38811,7 @@
           </a:ln>
           <a:extLst>
             <a:ext uri="{C572A759-6A51-4108-AA02-DFA0A04FC94B}">
-              <ma14:wrappingTextBoxFlag xmlns:ma14="http://schemas.microsoft.com/office/mac/drawingml/2011/main" xmlns:a14="http://schemas.microsoft.com/office/drawing/2010/main" xmlns:m="http://schemas.openxmlformats.org/officeDocument/2006/math" xmlns="" val="1"/>
+              <ma14:wrappingTextBoxFlag xmlns="" xmlns:m="http://schemas.openxmlformats.org/officeDocument/2006/math" xmlns:a14="http://schemas.microsoft.com/office/drawing/2010/main" xmlns:ma14="http://schemas.microsoft.com/office/mac/drawingml/2011/main" val="1"/>
             </a:ext>
           </a:extLst>
         </p:spPr>
@@ -41286,7 +41291,7 @@
           </a:ln>
           <a:extLst>
             <a:ext uri="{C572A759-6A51-4108-AA02-DFA0A04FC94B}">
-              <ma14:wrappingTextBoxFlag xmlns:ma14="http://schemas.microsoft.com/office/mac/drawingml/2011/main" xmlns:a14="http://schemas.microsoft.com/office/drawing/2010/main" xmlns:m="http://schemas.openxmlformats.org/officeDocument/2006/math" xmlns="" val="1"/>
+              <ma14:wrappingTextBoxFlag xmlns="" xmlns:m="http://schemas.openxmlformats.org/officeDocument/2006/math" xmlns:a14="http://schemas.microsoft.com/office/drawing/2010/main" xmlns:ma14="http://schemas.microsoft.com/office/mac/drawingml/2011/main" val="1"/>
             </a:ext>
           </a:extLst>
         </p:spPr>
@@ -42700,7 +42705,7 @@
           </a:ln>
           <a:extLst>
             <a:ext uri="{C572A759-6A51-4108-AA02-DFA0A04FC94B}">
-              <ma14:wrappingTextBoxFlag xmlns:ma14="http://schemas.microsoft.com/office/mac/drawingml/2011/main" xmlns:a14="http://schemas.microsoft.com/office/drawing/2010/main" xmlns:m="http://schemas.openxmlformats.org/officeDocument/2006/math" xmlns="" val="1"/>
+              <ma14:wrappingTextBoxFlag xmlns="" xmlns:m="http://schemas.openxmlformats.org/officeDocument/2006/math" xmlns:a14="http://schemas.microsoft.com/office/drawing/2010/main" xmlns:ma14="http://schemas.microsoft.com/office/mac/drawingml/2011/main" val="1"/>
             </a:ext>
           </a:extLst>
         </p:spPr>
